--- a/SignalR.pptx
+++ b/SignalR.pptx
@@ -14,6 +14,7 @@
     <p:sldId id="263" r:id="rId8"/>
     <p:sldId id="264" r:id="rId9"/>
     <p:sldId id="265" r:id="rId10"/>
+    <p:sldId id="266" r:id="rId11"/>
   </p:sldIdLst>
   <p:sldSz cx="12192000" cy="6858000"/>
   <p:notesSz cx="6858000" cy="9144000"/>
@@ -3023,6 +3024,172 @@
   <p:clrMapOvr>
     <a:masterClrMapping/>
   </p:clrMapOvr>
+  <p:timing>
+    <p:tnLst>
+      <p:par>
+        <p:cTn id="1" dur="indefinite" restart="never" nodeType="tmRoot"/>
+      </p:par>
+    </p:tnLst>
+  </p:timing>
+</p:sld>
+</file>
+
+<file path=ppt/slides/slide10.xml><?xml version="1.0" encoding="utf-8"?>
+<p:sld xmlns:a="http://schemas.openxmlformats.org/drawingml/2006/main" xmlns:r="http://schemas.openxmlformats.org/officeDocument/2006/relationships" xmlns:p="http://schemas.openxmlformats.org/presentationml/2006/main">
+  <p:cSld>
+    <p:spTree>
+      <p:nvGrpSpPr>
+        <p:cNvPr id="1" name=""/>
+        <p:cNvGrpSpPr/>
+        <p:nvPr/>
+      </p:nvGrpSpPr>
+      <p:grpSpPr>
+        <a:xfrm>
+          <a:off x="0" y="0"/>
+          <a:ext cx="0" cy="0"/>
+          <a:chOff x="0" y="0"/>
+          <a:chExt cx="0" cy="0"/>
+        </a:xfrm>
+      </p:grpSpPr>
+      <p:sp>
+        <p:nvSpPr>
+          <p:cNvPr id="2" name="Title 1"/>
+          <p:cNvSpPr>
+            <a:spLocks noGrp="1"/>
+          </p:cNvSpPr>
+          <p:nvPr>
+            <p:ph type="title"/>
+          </p:nvPr>
+        </p:nvSpPr>
+        <p:spPr/>
+        <p:txBody>
+          <a:bodyPr/>
+          <a:lstStyle/>
+          <a:p>
+            <a:r>
+              <a:rPr lang="de-DE" dirty="0" err="1" smtClean="0">
+                <a:latin typeface="Segoe UI" panose="020B0502040204020203" pitchFamily="34" charset="0"/>
+                <a:cs typeface="Segoe UI" panose="020B0502040204020203" pitchFamily="34" charset="0"/>
+              </a:rPr>
+              <a:t>Using</a:t>
+            </a:r>
+            <a:r>
+              <a:rPr lang="de-DE" dirty="0" smtClean="0">
+                <a:latin typeface="Segoe UI" panose="020B0502040204020203" pitchFamily="34" charset="0"/>
+                <a:cs typeface="Segoe UI" panose="020B0502040204020203" pitchFamily="34" charset="0"/>
+              </a:rPr>
+              <a:t> SignalR </a:t>
+            </a:r>
+            <a:r>
+              <a:rPr lang="de-DE" dirty="0" smtClean="0">
+                <a:latin typeface="Segoe UI" panose="020B0502040204020203" pitchFamily="34" charset="0"/>
+                <a:cs typeface="Segoe UI" panose="020B0502040204020203" pitchFamily="34" charset="0"/>
+              </a:rPr>
+              <a:t>(Client)</a:t>
+            </a:r>
+            <a:endParaRPr lang="de-DE" dirty="0">
+              <a:latin typeface="Segoe UI" panose="020B0502040204020203" pitchFamily="34" charset="0"/>
+              <a:cs typeface="Segoe UI" panose="020B0502040204020203" pitchFamily="34" charset="0"/>
+            </a:endParaRPr>
+          </a:p>
+        </p:txBody>
+      </p:sp>
+      <p:sp>
+        <p:nvSpPr>
+          <p:cNvPr id="3" name="Content Placeholder 2"/>
+          <p:cNvSpPr>
+            <a:spLocks noGrp="1"/>
+          </p:cNvSpPr>
+          <p:nvPr>
+            <p:ph idx="1"/>
+          </p:nvPr>
+        </p:nvSpPr>
+        <p:spPr/>
+        <p:txBody>
+          <a:bodyPr/>
+          <a:lstStyle/>
+          <a:p>
+            <a:pPr fontAlgn="base"/>
+            <a:r>
+              <a:rPr lang="de-DE" dirty="0" err="1" smtClean="0">
+                <a:latin typeface="Segoe UI" panose="020B0502040204020203" pitchFamily="34" charset="0"/>
+                <a:cs typeface="Segoe UI" panose="020B0502040204020203" pitchFamily="34" charset="0"/>
+              </a:rPr>
+              <a:t>add</a:t>
+            </a:r>
+            <a:r>
+              <a:rPr lang="de-DE" dirty="0" smtClean="0">
+                <a:latin typeface="Segoe UI" panose="020B0502040204020203" pitchFamily="34" charset="0"/>
+                <a:cs typeface="Segoe UI" panose="020B0502040204020203" pitchFamily="34" charset="0"/>
+              </a:rPr>
+              <a:t> SignalR Client </a:t>
+            </a:r>
+            <a:r>
+              <a:rPr lang="de-DE" dirty="0" err="1" smtClean="0">
+                <a:latin typeface="Segoe UI" panose="020B0502040204020203" pitchFamily="34" charset="0"/>
+                <a:cs typeface="Segoe UI" panose="020B0502040204020203" pitchFamily="34" charset="0"/>
+              </a:rPr>
+              <a:t>NuGet</a:t>
+            </a:r>
+            <a:r>
+              <a:rPr lang="de-DE" dirty="0" smtClean="0">
+                <a:latin typeface="Segoe UI" panose="020B0502040204020203" pitchFamily="34" charset="0"/>
+                <a:cs typeface="Segoe UI" panose="020B0502040204020203" pitchFamily="34" charset="0"/>
+              </a:rPr>
+              <a:t> </a:t>
+            </a:r>
+            <a:r>
+              <a:rPr lang="de-DE" dirty="0" err="1" smtClean="0">
+                <a:latin typeface="Segoe UI" panose="020B0502040204020203" pitchFamily="34" charset="0"/>
+                <a:cs typeface="Segoe UI" panose="020B0502040204020203" pitchFamily="34" charset="0"/>
+              </a:rPr>
+              <a:t>package</a:t>
+            </a:r>
+            <a:endParaRPr lang="de-DE" dirty="0" smtClean="0">
+              <a:latin typeface="Segoe UI" panose="020B0502040204020203" pitchFamily="34" charset="0"/>
+              <a:cs typeface="Segoe UI" panose="020B0502040204020203" pitchFamily="34" charset="0"/>
+            </a:endParaRPr>
+          </a:p>
+          <a:p>
+            <a:pPr fontAlgn="base"/>
+            <a:endParaRPr lang="de-DE" dirty="0" smtClean="0">
+              <a:latin typeface="Segoe UI" panose="020B0502040204020203" pitchFamily="34" charset="0"/>
+              <a:cs typeface="Segoe UI" panose="020B0502040204020203" pitchFamily="34" charset="0"/>
+            </a:endParaRPr>
+          </a:p>
+          <a:p>
+            <a:pPr fontAlgn="base"/>
+            <a:endParaRPr lang="de-DE" dirty="0" smtClean="0">
+              <a:latin typeface="Segoe UI" panose="020B0502040204020203" pitchFamily="34" charset="0"/>
+              <a:cs typeface="Segoe UI" panose="020B0502040204020203" pitchFamily="34" charset="0"/>
+            </a:endParaRPr>
+          </a:p>
+          <a:p>
+            <a:pPr fontAlgn="base"/>
+            <a:endParaRPr lang="en-US" dirty="0">
+              <a:latin typeface="Segoe UI" panose="020B0502040204020203" pitchFamily="34" charset="0"/>
+              <a:cs typeface="Segoe UI" panose="020B0502040204020203" pitchFamily="34" charset="0"/>
+            </a:endParaRPr>
+          </a:p>
+        </p:txBody>
+      </p:sp>
+    </p:spTree>
+    <p:extLst>
+      <p:ext uri="{BB962C8B-B14F-4D97-AF65-F5344CB8AC3E}">
+        <p14:creationId xmlns:p14="http://schemas.microsoft.com/office/powerpoint/2010/main" val="3163656889"/>
+      </p:ext>
+    </p:extLst>
+  </p:cSld>
+  <p:clrMapOvr>
+    <a:masterClrMapping/>
+  </p:clrMapOvr>
+  <p:timing>
+    <p:tnLst>
+      <p:par>
+        <p:cTn id="1" dur="indefinite" restart="never" nodeType="tmRoot"/>
+      </p:par>
+    </p:tnLst>
+  </p:timing>
 </p:sld>
 </file>
 
@@ -5708,6 +5875,13 @@
               </a:rPr>
               <a:t> SignalR </a:t>
             </a:r>
+            <a:r>
+              <a:rPr lang="de-DE" dirty="0" smtClean="0">
+                <a:latin typeface="Segoe UI" panose="020B0502040204020203" pitchFamily="34" charset="0"/>
+                <a:cs typeface="Segoe UI" panose="020B0502040204020203" pitchFamily="34" charset="0"/>
+              </a:rPr>
+              <a:t>(Server)</a:t>
+            </a:r>
             <a:endParaRPr lang="de-DE" dirty="0">
               <a:latin typeface="Segoe UI" panose="020B0502040204020203" pitchFamily="34" charset="0"/>
               <a:cs typeface="Segoe UI" panose="020B0502040204020203" pitchFamily="34" charset="0"/>
@@ -5732,12 +5906,239 @@
           <a:p>
             <a:pPr fontAlgn="base"/>
             <a:r>
-              <a:rPr lang="en-US" sz="2400" dirty="0" err="1" smtClean="0">
-                <a:latin typeface="Segoe UI" panose="020B0502040204020203" pitchFamily="34" charset="0"/>
-                <a:cs typeface="Segoe UI" panose="020B0502040204020203" pitchFamily="34" charset="0"/>
-              </a:rPr>
-              <a:t>dsfsd</a:t>
-            </a:r>
+              <a:rPr lang="de-DE" dirty="0" err="1" smtClean="0">
+                <a:latin typeface="Segoe UI" panose="020B0502040204020203" pitchFamily="34" charset="0"/>
+                <a:cs typeface="Segoe UI" panose="020B0502040204020203" pitchFamily="34" charset="0"/>
+              </a:rPr>
+              <a:t>add</a:t>
+            </a:r>
+            <a:r>
+              <a:rPr lang="de-DE" dirty="0" smtClean="0">
+                <a:latin typeface="Segoe UI" panose="020B0502040204020203" pitchFamily="34" charset="0"/>
+                <a:cs typeface="Segoe UI" panose="020B0502040204020203" pitchFamily="34" charset="0"/>
+              </a:rPr>
+              <a:t> SignalR </a:t>
+            </a:r>
+            <a:r>
+              <a:rPr lang="de-DE" dirty="0" err="1" smtClean="0">
+                <a:latin typeface="Segoe UI" panose="020B0502040204020203" pitchFamily="34" charset="0"/>
+                <a:cs typeface="Segoe UI" panose="020B0502040204020203" pitchFamily="34" charset="0"/>
+              </a:rPr>
+              <a:t>NuGet</a:t>
+            </a:r>
+            <a:r>
+              <a:rPr lang="de-DE" dirty="0" smtClean="0">
+                <a:latin typeface="Segoe UI" panose="020B0502040204020203" pitchFamily="34" charset="0"/>
+                <a:cs typeface="Segoe UI" panose="020B0502040204020203" pitchFamily="34" charset="0"/>
+              </a:rPr>
+              <a:t> </a:t>
+            </a:r>
+            <a:r>
+              <a:rPr lang="de-DE" dirty="0" err="1" smtClean="0">
+                <a:latin typeface="Segoe UI" panose="020B0502040204020203" pitchFamily="34" charset="0"/>
+                <a:cs typeface="Segoe UI" panose="020B0502040204020203" pitchFamily="34" charset="0"/>
+              </a:rPr>
+              <a:t>package</a:t>
+            </a:r>
+            <a:endParaRPr lang="de-DE" dirty="0" smtClean="0">
+              <a:latin typeface="Segoe UI" panose="020B0502040204020203" pitchFamily="34" charset="0"/>
+              <a:cs typeface="Segoe UI" panose="020B0502040204020203" pitchFamily="34" charset="0"/>
+            </a:endParaRPr>
+          </a:p>
+          <a:p>
+            <a:pPr fontAlgn="base"/>
+            <a:r>
+              <a:rPr lang="de-DE" dirty="0" err="1" smtClean="0">
+                <a:latin typeface="Segoe UI" panose="020B0502040204020203" pitchFamily="34" charset="0"/>
+                <a:cs typeface="Segoe UI" panose="020B0502040204020203" pitchFamily="34" charset="0"/>
+              </a:rPr>
+              <a:t>add</a:t>
+            </a:r>
+            <a:r>
+              <a:rPr lang="de-DE" dirty="0" smtClean="0">
+                <a:latin typeface="Segoe UI" panose="020B0502040204020203" pitchFamily="34" charset="0"/>
+                <a:cs typeface="Segoe UI" panose="020B0502040204020203" pitchFamily="34" charset="0"/>
+              </a:rPr>
+              <a:t> Startup </a:t>
+            </a:r>
+            <a:r>
+              <a:rPr lang="de-DE" dirty="0" err="1" smtClean="0">
+                <a:latin typeface="Segoe UI" panose="020B0502040204020203" pitchFamily="34" charset="0"/>
+                <a:cs typeface="Segoe UI" panose="020B0502040204020203" pitchFamily="34" charset="0"/>
+              </a:rPr>
+              <a:t>class</a:t>
+            </a:r>
+            <a:r>
+              <a:rPr lang="de-DE" dirty="0" smtClean="0">
+                <a:latin typeface="Segoe UI" panose="020B0502040204020203" pitchFamily="34" charset="0"/>
+                <a:cs typeface="Segoe UI" panose="020B0502040204020203" pitchFamily="34" charset="0"/>
+              </a:rPr>
+              <a:t> &amp; </a:t>
+            </a:r>
+            <a:r>
+              <a:rPr lang="de-DE" dirty="0" err="1" smtClean="0">
+                <a:latin typeface="Segoe UI" panose="020B0502040204020203" pitchFamily="34" charset="0"/>
+                <a:cs typeface="Segoe UI" panose="020B0502040204020203" pitchFamily="34" charset="0"/>
+              </a:rPr>
+              <a:t>configure</a:t>
+            </a:r>
+            <a:r>
+              <a:rPr lang="de-DE" dirty="0" smtClean="0">
+                <a:latin typeface="Segoe UI" panose="020B0502040204020203" pitchFamily="34" charset="0"/>
+                <a:cs typeface="Segoe UI" panose="020B0502040204020203" pitchFamily="34" charset="0"/>
+              </a:rPr>
+              <a:t> SignalR</a:t>
+            </a:r>
+          </a:p>
+          <a:p>
+            <a:pPr fontAlgn="base"/>
+            <a:r>
+              <a:rPr lang="de-DE" dirty="0" err="1" smtClean="0">
+                <a:latin typeface="Segoe UI" panose="020B0502040204020203" pitchFamily="34" charset="0"/>
+                <a:cs typeface="Segoe UI" panose="020B0502040204020203" pitchFamily="34" charset="0"/>
+              </a:rPr>
+              <a:t>add</a:t>
+            </a:r>
+            <a:r>
+              <a:rPr lang="de-DE" dirty="0" smtClean="0">
+                <a:latin typeface="Segoe UI" panose="020B0502040204020203" pitchFamily="34" charset="0"/>
+                <a:cs typeface="Segoe UI" panose="020B0502040204020203" pitchFamily="34" charset="0"/>
+              </a:rPr>
+              <a:t> hub </a:t>
+            </a:r>
+            <a:r>
+              <a:rPr lang="de-DE" dirty="0" err="1" smtClean="0">
+                <a:latin typeface="Segoe UI" panose="020B0502040204020203" pitchFamily="34" charset="0"/>
+                <a:cs typeface="Segoe UI" panose="020B0502040204020203" pitchFamily="34" charset="0"/>
+              </a:rPr>
+              <a:t>class</a:t>
+            </a:r>
+            <a:endParaRPr lang="de-DE" dirty="0" smtClean="0">
+              <a:latin typeface="Segoe UI" panose="020B0502040204020203" pitchFamily="34" charset="0"/>
+              <a:cs typeface="Segoe UI" panose="020B0502040204020203" pitchFamily="34" charset="0"/>
+            </a:endParaRPr>
+          </a:p>
+          <a:p>
+            <a:pPr fontAlgn="base"/>
+            <a:r>
+              <a:rPr lang="de-DE" dirty="0" err="1" smtClean="0">
+                <a:latin typeface="Segoe UI" panose="020B0502040204020203" pitchFamily="34" charset="0"/>
+                <a:cs typeface="Segoe UI" panose="020B0502040204020203" pitchFamily="34" charset="0"/>
+              </a:rPr>
+              <a:t>add</a:t>
+            </a:r>
+            <a:r>
+              <a:rPr lang="de-DE" dirty="0" smtClean="0">
+                <a:latin typeface="Segoe UI" panose="020B0502040204020203" pitchFamily="34" charset="0"/>
+                <a:cs typeface="Segoe UI" panose="020B0502040204020203" pitchFamily="34" charset="0"/>
+              </a:rPr>
+              <a:t> SignalR </a:t>
+            </a:r>
+            <a:r>
+              <a:rPr lang="de-DE" dirty="0" err="1" smtClean="0">
+                <a:latin typeface="Segoe UI" panose="020B0502040204020203" pitchFamily="34" charset="0"/>
+                <a:cs typeface="Segoe UI" panose="020B0502040204020203" pitchFamily="34" charset="0"/>
+              </a:rPr>
+              <a:t>self</a:t>
+            </a:r>
+            <a:r>
+              <a:rPr lang="de-DE" dirty="0" smtClean="0">
+                <a:latin typeface="Segoe UI" panose="020B0502040204020203" pitchFamily="34" charset="0"/>
+                <a:cs typeface="Segoe UI" panose="020B0502040204020203" pitchFamily="34" charset="0"/>
+              </a:rPr>
+              <a:t> host </a:t>
+            </a:r>
+            <a:r>
+              <a:rPr lang="de-DE" dirty="0" err="1" smtClean="0">
+                <a:latin typeface="Segoe UI" panose="020B0502040204020203" pitchFamily="34" charset="0"/>
+                <a:cs typeface="Segoe UI" panose="020B0502040204020203" pitchFamily="34" charset="0"/>
+              </a:rPr>
+              <a:t>NuGet</a:t>
+            </a:r>
+            <a:r>
+              <a:rPr lang="de-DE" dirty="0" smtClean="0">
+                <a:latin typeface="Segoe UI" panose="020B0502040204020203" pitchFamily="34" charset="0"/>
+                <a:cs typeface="Segoe UI" panose="020B0502040204020203" pitchFamily="34" charset="0"/>
+              </a:rPr>
+              <a:t> </a:t>
+            </a:r>
+            <a:r>
+              <a:rPr lang="de-DE" dirty="0" err="1" smtClean="0">
+                <a:latin typeface="Segoe UI" panose="020B0502040204020203" pitchFamily="34" charset="0"/>
+                <a:cs typeface="Segoe UI" panose="020B0502040204020203" pitchFamily="34" charset="0"/>
+              </a:rPr>
+              <a:t>package</a:t>
+            </a:r>
+            <a:endParaRPr lang="de-DE" dirty="0" smtClean="0">
+              <a:latin typeface="Segoe UI" panose="020B0502040204020203" pitchFamily="34" charset="0"/>
+              <a:cs typeface="Segoe UI" panose="020B0502040204020203" pitchFamily="34" charset="0"/>
+            </a:endParaRPr>
+          </a:p>
+          <a:p>
+            <a:pPr fontAlgn="base"/>
+            <a:r>
+              <a:rPr lang="de-DE" dirty="0" err="1" smtClean="0">
+                <a:latin typeface="Segoe UI" panose="020B0502040204020203" pitchFamily="34" charset="0"/>
+                <a:cs typeface="Segoe UI" panose="020B0502040204020203" pitchFamily="34" charset="0"/>
+              </a:rPr>
+              <a:t>add</a:t>
+            </a:r>
+            <a:r>
+              <a:rPr lang="de-DE" dirty="0" smtClean="0">
+                <a:latin typeface="Segoe UI" panose="020B0502040204020203" pitchFamily="34" charset="0"/>
+                <a:cs typeface="Segoe UI" panose="020B0502040204020203" pitchFamily="34" charset="0"/>
+              </a:rPr>
+              <a:t> host </a:t>
+            </a:r>
+            <a:r>
+              <a:rPr lang="de-DE" dirty="0" err="1" smtClean="0">
+                <a:latin typeface="Segoe UI" panose="020B0502040204020203" pitchFamily="34" charset="0"/>
+                <a:cs typeface="Segoe UI" panose="020B0502040204020203" pitchFamily="34" charset="0"/>
+              </a:rPr>
+              <a:t>class</a:t>
+            </a:r>
+            <a:r>
+              <a:rPr lang="de-DE" dirty="0" smtClean="0">
+                <a:latin typeface="Segoe UI" panose="020B0502040204020203" pitchFamily="34" charset="0"/>
+                <a:cs typeface="Segoe UI" panose="020B0502040204020203" pitchFamily="34" charset="0"/>
+              </a:rPr>
+              <a:t> &amp; </a:t>
+            </a:r>
+            <a:r>
+              <a:rPr lang="de-DE" dirty="0" err="1" smtClean="0">
+                <a:latin typeface="Segoe UI" panose="020B0502040204020203" pitchFamily="34" charset="0"/>
+                <a:cs typeface="Segoe UI" panose="020B0502040204020203" pitchFamily="34" charset="0"/>
+              </a:rPr>
+              <a:t>start</a:t>
+            </a:r>
+            <a:r>
+              <a:rPr lang="de-DE" dirty="0" smtClean="0">
+                <a:latin typeface="Segoe UI" panose="020B0502040204020203" pitchFamily="34" charset="0"/>
+                <a:cs typeface="Segoe UI" panose="020B0502040204020203" pitchFamily="34" charset="0"/>
+              </a:rPr>
+              <a:t> </a:t>
+            </a:r>
+            <a:r>
+              <a:rPr lang="de-DE" dirty="0" err="1" smtClean="0">
+                <a:latin typeface="Segoe UI" panose="020B0502040204020203" pitchFamily="34" charset="0"/>
+                <a:cs typeface="Segoe UI" panose="020B0502040204020203" pitchFamily="34" charset="0"/>
+              </a:rPr>
+              <a:t>WebApp</a:t>
+            </a:r>
+            <a:endParaRPr lang="de-DE" dirty="0" smtClean="0">
+              <a:latin typeface="Segoe UI" panose="020B0502040204020203" pitchFamily="34" charset="0"/>
+              <a:cs typeface="Segoe UI" panose="020B0502040204020203" pitchFamily="34" charset="0"/>
+            </a:endParaRPr>
+          </a:p>
+          <a:p>
+            <a:pPr fontAlgn="base"/>
+            <a:endParaRPr lang="de-DE" dirty="0" smtClean="0">
+              <a:latin typeface="Segoe UI" panose="020B0502040204020203" pitchFamily="34" charset="0"/>
+              <a:cs typeface="Segoe UI" panose="020B0502040204020203" pitchFamily="34" charset="0"/>
+            </a:endParaRPr>
+          </a:p>
+          <a:p>
+            <a:pPr fontAlgn="base"/>
             <a:endParaRPr lang="en-US" dirty="0">
               <a:latin typeface="Segoe UI" panose="020B0502040204020203" pitchFamily="34" charset="0"/>
               <a:cs typeface="Segoe UI" panose="020B0502040204020203" pitchFamily="34" charset="0"/>
@@ -5755,6 +6156,13 @@
   <p:clrMapOvr>
     <a:masterClrMapping/>
   </p:clrMapOvr>
+  <p:timing>
+    <p:tnLst>
+      <p:par>
+        <p:cTn id="1" dur="indefinite" restart="never" nodeType="tmRoot"/>
+      </p:par>
+    </p:tnLst>
+  </p:timing>
 </p:sld>
 </file>
 

--- a/SignalR.pptx
+++ b/SignalR.pptx
@@ -3078,14 +3078,7 @@
                 <a:latin typeface="Segoe UI" panose="020B0502040204020203" pitchFamily="34" charset="0"/>
                 <a:cs typeface="Segoe UI" panose="020B0502040204020203" pitchFamily="34" charset="0"/>
               </a:rPr>
-              <a:t> SignalR </a:t>
-            </a:r>
-            <a:r>
-              <a:rPr lang="de-DE" dirty="0" smtClean="0">
-                <a:latin typeface="Segoe UI" panose="020B0502040204020203" pitchFamily="34" charset="0"/>
-                <a:cs typeface="Segoe UI" panose="020B0502040204020203" pitchFamily="34" charset="0"/>
-              </a:rPr>
-              <a:t>(Client)</a:t>
+              <a:t> SignalR (Client)</a:t>
             </a:r>
             <a:endParaRPr lang="de-DE" dirty="0">
               <a:latin typeface="Segoe UI" panose="020B0502040204020203" pitchFamily="34" charset="0"/>
@@ -3145,6 +3138,265 @@
               </a:rPr>
               <a:t>package</a:t>
             </a:r>
+            <a:endParaRPr lang="de-DE" dirty="0" smtClean="0">
+              <a:latin typeface="Segoe UI" panose="020B0502040204020203" pitchFamily="34" charset="0"/>
+              <a:cs typeface="Segoe UI" panose="020B0502040204020203" pitchFamily="34" charset="0"/>
+            </a:endParaRPr>
+          </a:p>
+          <a:p>
+            <a:pPr fontAlgn="base"/>
+            <a:r>
+              <a:rPr lang="de-DE" dirty="0" err="1" smtClean="0">
+                <a:latin typeface="Segoe UI" panose="020B0502040204020203" pitchFamily="34" charset="0"/>
+                <a:cs typeface="Segoe UI" panose="020B0502040204020203" pitchFamily="34" charset="0"/>
+              </a:rPr>
+              <a:t>create</a:t>
+            </a:r>
+            <a:r>
+              <a:rPr lang="de-DE" dirty="0" smtClean="0">
+                <a:latin typeface="Segoe UI" panose="020B0502040204020203" pitchFamily="34" charset="0"/>
+                <a:cs typeface="Segoe UI" panose="020B0502040204020203" pitchFamily="34" charset="0"/>
+              </a:rPr>
+              <a:t> hub </a:t>
+            </a:r>
+            <a:r>
+              <a:rPr lang="de-DE" dirty="0" err="1" smtClean="0">
+                <a:latin typeface="Segoe UI" panose="020B0502040204020203" pitchFamily="34" charset="0"/>
+                <a:cs typeface="Segoe UI" panose="020B0502040204020203" pitchFamily="34" charset="0"/>
+              </a:rPr>
+              <a:t>connection</a:t>
+            </a:r>
+            <a:endParaRPr lang="de-DE" dirty="0" smtClean="0">
+              <a:latin typeface="Segoe UI" panose="020B0502040204020203" pitchFamily="34" charset="0"/>
+              <a:cs typeface="Segoe UI" panose="020B0502040204020203" pitchFamily="34" charset="0"/>
+            </a:endParaRPr>
+          </a:p>
+          <a:p>
+            <a:pPr fontAlgn="base"/>
+            <a:r>
+              <a:rPr lang="de-DE" dirty="0" err="1" smtClean="0">
+                <a:latin typeface="Segoe UI" panose="020B0502040204020203" pitchFamily="34" charset="0"/>
+                <a:cs typeface="Segoe UI" panose="020B0502040204020203" pitchFamily="34" charset="0"/>
+              </a:rPr>
+              <a:t>create</a:t>
+            </a:r>
+            <a:r>
+              <a:rPr lang="de-DE" dirty="0" smtClean="0">
+                <a:latin typeface="Segoe UI" panose="020B0502040204020203" pitchFamily="34" charset="0"/>
+                <a:cs typeface="Segoe UI" panose="020B0502040204020203" pitchFamily="34" charset="0"/>
+              </a:rPr>
+              <a:t> hub </a:t>
+            </a:r>
+            <a:r>
+              <a:rPr lang="de-DE" dirty="0" err="1" smtClean="0">
+                <a:latin typeface="Segoe UI" panose="020B0502040204020203" pitchFamily="34" charset="0"/>
+                <a:cs typeface="Segoe UI" panose="020B0502040204020203" pitchFamily="34" charset="0"/>
+              </a:rPr>
+              <a:t>proxy</a:t>
+            </a:r>
+            <a:r>
+              <a:rPr lang="de-DE" dirty="0" smtClean="0">
+                <a:latin typeface="Segoe UI" panose="020B0502040204020203" pitchFamily="34" charset="0"/>
+                <a:cs typeface="Segoe UI" panose="020B0502040204020203" pitchFamily="34" charset="0"/>
+              </a:rPr>
+              <a:t> </a:t>
+            </a:r>
+            <a:r>
+              <a:rPr lang="de-DE" dirty="0" err="1" smtClean="0">
+                <a:latin typeface="Segoe UI" panose="020B0502040204020203" pitchFamily="34" charset="0"/>
+                <a:cs typeface="Segoe UI" panose="020B0502040204020203" pitchFamily="34" charset="0"/>
+              </a:rPr>
+              <a:t>from</a:t>
+            </a:r>
+            <a:r>
+              <a:rPr lang="de-DE" dirty="0" smtClean="0">
+                <a:latin typeface="Segoe UI" panose="020B0502040204020203" pitchFamily="34" charset="0"/>
+                <a:cs typeface="Segoe UI" panose="020B0502040204020203" pitchFamily="34" charset="0"/>
+              </a:rPr>
+              <a:t> </a:t>
+            </a:r>
+            <a:r>
+              <a:rPr lang="de-DE" dirty="0" err="1" smtClean="0">
+                <a:latin typeface="Segoe UI" panose="020B0502040204020203" pitchFamily="34" charset="0"/>
+                <a:cs typeface="Segoe UI" panose="020B0502040204020203" pitchFamily="34" charset="0"/>
+              </a:rPr>
+              <a:t>connection</a:t>
+            </a:r>
+            <a:endParaRPr lang="de-DE" dirty="0" smtClean="0">
+              <a:latin typeface="Segoe UI" panose="020B0502040204020203" pitchFamily="34" charset="0"/>
+              <a:cs typeface="Segoe UI" panose="020B0502040204020203" pitchFamily="34" charset="0"/>
+            </a:endParaRPr>
+          </a:p>
+          <a:p>
+            <a:pPr fontAlgn="base"/>
+            <a:r>
+              <a:rPr lang="de-DE" dirty="0" err="1" smtClean="0">
+                <a:latin typeface="Segoe UI" panose="020B0502040204020203" pitchFamily="34" charset="0"/>
+                <a:cs typeface="Segoe UI" panose="020B0502040204020203" pitchFamily="34" charset="0"/>
+              </a:rPr>
+              <a:t>start</a:t>
+            </a:r>
+            <a:r>
+              <a:rPr lang="de-DE" dirty="0" smtClean="0">
+                <a:latin typeface="Segoe UI" panose="020B0502040204020203" pitchFamily="34" charset="0"/>
+                <a:cs typeface="Segoe UI" panose="020B0502040204020203" pitchFamily="34" charset="0"/>
+              </a:rPr>
+              <a:t> </a:t>
+            </a:r>
+            <a:r>
+              <a:rPr lang="de-DE" dirty="0" err="1" smtClean="0">
+                <a:latin typeface="Segoe UI" panose="020B0502040204020203" pitchFamily="34" charset="0"/>
+                <a:cs typeface="Segoe UI" panose="020B0502040204020203" pitchFamily="34" charset="0"/>
+              </a:rPr>
+              <a:t>connection</a:t>
+            </a:r>
+            <a:endParaRPr lang="de-DE" dirty="0" smtClean="0">
+              <a:latin typeface="Segoe UI" panose="020B0502040204020203" pitchFamily="34" charset="0"/>
+              <a:cs typeface="Segoe UI" panose="020B0502040204020203" pitchFamily="34" charset="0"/>
+            </a:endParaRPr>
+          </a:p>
+          <a:p>
+            <a:pPr fontAlgn="base"/>
+            <a:r>
+              <a:rPr lang="de-DE" dirty="0" err="1" smtClean="0">
+                <a:latin typeface="Segoe UI" panose="020B0502040204020203" pitchFamily="34" charset="0"/>
+                <a:cs typeface="Segoe UI" panose="020B0502040204020203" pitchFamily="34" charset="0"/>
+              </a:rPr>
+              <a:t>register</a:t>
+            </a:r>
+            <a:r>
+              <a:rPr lang="de-DE" dirty="0" smtClean="0">
+                <a:latin typeface="Segoe UI" panose="020B0502040204020203" pitchFamily="34" charset="0"/>
+                <a:cs typeface="Segoe UI" panose="020B0502040204020203" pitchFamily="34" charset="0"/>
+              </a:rPr>
+              <a:t> </a:t>
+            </a:r>
+            <a:r>
+              <a:rPr lang="de-DE" dirty="0" err="1" smtClean="0">
+                <a:latin typeface="Segoe UI" panose="020B0502040204020203" pitchFamily="34" charset="0"/>
+                <a:cs typeface="Segoe UI" panose="020B0502040204020203" pitchFamily="34" charset="0"/>
+              </a:rPr>
+              <a:t>events</a:t>
+            </a:r>
+            <a:r>
+              <a:rPr lang="de-DE" dirty="0" smtClean="0">
+                <a:latin typeface="Segoe UI" panose="020B0502040204020203" pitchFamily="34" charset="0"/>
+                <a:cs typeface="Segoe UI" panose="020B0502040204020203" pitchFamily="34" charset="0"/>
+              </a:rPr>
+              <a:t> </a:t>
+            </a:r>
+            <a:r>
+              <a:rPr lang="de-DE" dirty="0" err="1" smtClean="0">
+                <a:latin typeface="Segoe UI" panose="020B0502040204020203" pitchFamily="34" charset="0"/>
+                <a:cs typeface="Segoe UI" panose="020B0502040204020203" pitchFamily="34" charset="0"/>
+              </a:rPr>
+              <a:t>to</a:t>
+            </a:r>
+            <a:r>
+              <a:rPr lang="de-DE" dirty="0" smtClean="0">
+                <a:latin typeface="Segoe UI" panose="020B0502040204020203" pitchFamily="34" charset="0"/>
+                <a:cs typeface="Segoe UI" panose="020B0502040204020203" pitchFamily="34" charset="0"/>
+              </a:rPr>
+              <a:t> listen for </a:t>
+            </a:r>
+            <a:r>
+              <a:rPr lang="de-DE" dirty="0" err="1" smtClean="0">
+                <a:latin typeface="Segoe UI" panose="020B0502040204020203" pitchFamily="34" charset="0"/>
+                <a:cs typeface="Segoe UI" panose="020B0502040204020203" pitchFamily="34" charset="0"/>
+              </a:rPr>
+              <a:t>with</a:t>
+            </a:r>
+            <a:r>
+              <a:rPr lang="de-DE" dirty="0" smtClean="0">
+                <a:latin typeface="Segoe UI" panose="020B0502040204020203" pitchFamily="34" charset="0"/>
+                <a:cs typeface="Segoe UI" panose="020B0502040204020203" pitchFamily="34" charset="0"/>
+              </a:rPr>
+              <a:t> </a:t>
+            </a:r>
+            <a:r>
+              <a:rPr lang="de-DE" dirty="0" err="1" smtClean="0">
+                <a:latin typeface="Segoe UI" panose="020B0502040204020203" pitchFamily="34" charset="0"/>
+                <a:cs typeface="Segoe UI" panose="020B0502040204020203" pitchFamily="34" charset="0"/>
+              </a:rPr>
+              <a:t>Proxy.On</a:t>
+            </a:r>
+            <a:endParaRPr lang="de-DE" dirty="0" smtClean="0">
+              <a:latin typeface="Segoe UI" panose="020B0502040204020203" pitchFamily="34" charset="0"/>
+              <a:cs typeface="Segoe UI" panose="020B0502040204020203" pitchFamily="34" charset="0"/>
+            </a:endParaRPr>
+          </a:p>
+          <a:p>
+            <a:pPr fontAlgn="base"/>
+            <a:r>
+              <a:rPr lang="de-DE" dirty="0" err="1" smtClean="0">
+                <a:latin typeface="Segoe UI" panose="020B0502040204020203" pitchFamily="34" charset="0"/>
+                <a:cs typeface="Segoe UI" panose="020B0502040204020203" pitchFamily="34" charset="0"/>
+              </a:rPr>
+              <a:t>call</a:t>
+            </a:r>
+            <a:r>
+              <a:rPr lang="de-DE" dirty="0" smtClean="0">
+                <a:latin typeface="Segoe UI" panose="020B0502040204020203" pitchFamily="34" charset="0"/>
+                <a:cs typeface="Segoe UI" panose="020B0502040204020203" pitchFamily="34" charset="0"/>
+              </a:rPr>
+              <a:t> </a:t>
+            </a:r>
+            <a:r>
+              <a:rPr lang="de-DE" dirty="0" err="1" smtClean="0">
+                <a:latin typeface="Segoe UI" panose="020B0502040204020203" pitchFamily="34" charset="0"/>
+                <a:cs typeface="Segoe UI" panose="020B0502040204020203" pitchFamily="34" charset="0"/>
+              </a:rPr>
+              <a:t>server</a:t>
+            </a:r>
+            <a:r>
+              <a:rPr lang="de-DE" dirty="0" smtClean="0">
+                <a:latin typeface="Segoe UI" panose="020B0502040204020203" pitchFamily="34" charset="0"/>
+                <a:cs typeface="Segoe UI" panose="020B0502040204020203" pitchFamily="34" charset="0"/>
+              </a:rPr>
+              <a:t> </a:t>
+            </a:r>
+            <a:r>
+              <a:rPr lang="de-DE" dirty="0" err="1" smtClean="0">
+                <a:latin typeface="Segoe UI" panose="020B0502040204020203" pitchFamily="34" charset="0"/>
+                <a:cs typeface="Segoe UI" panose="020B0502040204020203" pitchFamily="34" charset="0"/>
+              </a:rPr>
+              <a:t>methods</a:t>
+            </a:r>
+            <a:r>
+              <a:rPr lang="de-DE" dirty="0" smtClean="0">
+                <a:latin typeface="Segoe UI" panose="020B0502040204020203" pitchFamily="34" charset="0"/>
+                <a:cs typeface="Segoe UI" panose="020B0502040204020203" pitchFamily="34" charset="0"/>
+              </a:rPr>
+              <a:t> </a:t>
+            </a:r>
+            <a:r>
+              <a:rPr lang="de-DE" dirty="0" err="1" smtClean="0">
+                <a:latin typeface="Segoe UI" panose="020B0502040204020203" pitchFamily="34" charset="0"/>
+                <a:cs typeface="Segoe UI" panose="020B0502040204020203" pitchFamily="34" charset="0"/>
+              </a:rPr>
+              <a:t>with</a:t>
+            </a:r>
+            <a:r>
+              <a:rPr lang="de-DE" dirty="0" smtClean="0">
+                <a:latin typeface="Segoe UI" panose="020B0502040204020203" pitchFamily="34" charset="0"/>
+                <a:cs typeface="Segoe UI" panose="020B0502040204020203" pitchFamily="34" charset="0"/>
+              </a:rPr>
+              <a:t> </a:t>
+            </a:r>
+            <a:r>
+              <a:rPr lang="de-DE" dirty="0" err="1" smtClean="0">
+                <a:latin typeface="Segoe UI" panose="020B0502040204020203" pitchFamily="34" charset="0"/>
+                <a:cs typeface="Segoe UI" panose="020B0502040204020203" pitchFamily="34" charset="0"/>
+              </a:rPr>
+              <a:t>Proxy.Invoke</a:t>
+            </a:r>
+            <a:endParaRPr lang="de-DE" dirty="0" smtClean="0">
+              <a:latin typeface="Segoe UI" panose="020B0502040204020203" pitchFamily="34" charset="0"/>
+              <a:cs typeface="Segoe UI" panose="020B0502040204020203" pitchFamily="34" charset="0"/>
+            </a:endParaRPr>
+          </a:p>
+          <a:p>
+            <a:pPr fontAlgn="base"/>
             <a:endParaRPr lang="de-DE" dirty="0" smtClean="0">
               <a:latin typeface="Segoe UI" panose="020B0502040204020203" pitchFamily="34" charset="0"/>
               <a:cs typeface="Segoe UI" panose="020B0502040204020203" pitchFamily="34" charset="0"/>
@@ -5717,7 +5969,7 @@
         <p:spPr>
           <a:xfrm>
             <a:off x="838200" y="1443623"/>
-            <a:ext cx="5859483" cy="707886"/>
+            <a:ext cx="7322127" cy="707886"/>
           </a:xfrm>
           <a:prstGeom prst="rect">
             <a:avLst/>
@@ -5873,14 +6125,7 @@
                 <a:latin typeface="Segoe UI" panose="020B0502040204020203" pitchFamily="34" charset="0"/>
                 <a:cs typeface="Segoe UI" panose="020B0502040204020203" pitchFamily="34" charset="0"/>
               </a:rPr>
-              <a:t> SignalR </a:t>
-            </a:r>
-            <a:r>
-              <a:rPr lang="de-DE" dirty="0" smtClean="0">
-                <a:latin typeface="Segoe UI" panose="020B0502040204020203" pitchFamily="34" charset="0"/>
-                <a:cs typeface="Segoe UI" panose="020B0502040204020203" pitchFamily="34" charset="0"/>
-              </a:rPr>
-              <a:t>(Server)</a:t>
+              <a:t> SignalR (Server)</a:t>
             </a:r>
             <a:endParaRPr lang="de-DE" dirty="0">
               <a:latin typeface="Segoe UI" panose="020B0502040204020203" pitchFamily="34" charset="0"/>
